--- a/Results_Presentation_2.pptx
+++ b/Results_Presentation_2.pptx
@@ -108,6 +108,11 @@
       </a:defRPr>
     </a:lvl9pPr>
   </p:defaultTextStyle>
+  <p:extLst>
+    <p:ext uri="{EFAFB233-063F-42B5-8137-9DF3F51BA10A}">
+      <p15:sldGuideLst xmlns:p15="http://schemas.microsoft.com/office/powerpoint/2012/main"/>
+    </p:ext>
+  </p:extLst>
 </p:presentation>
 </file>
 
@@ -260,7 +265,7 @@
           <a:p>
             <a:fld id="{251E5C19-111C-4433-8DA6-315F5DAC5ED1}" type="datetimeFigureOut">
               <a:rPr lang="en-GB" smtClean="0"/>
-              <a:t>28/03/2022</a:t>
+              <a:t>02/04/2022</a:t>
             </a:fld>
             <a:endParaRPr lang="en-GB"/>
           </a:p>
@@ -460,7 +465,7 @@
           <a:p>
             <a:fld id="{251E5C19-111C-4433-8DA6-315F5DAC5ED1}" type="datetimeFigureOut">
               <a:rPr lang="en-GB" smtClean="0"/>
-              <a:t>28/03/2022</a:t>
+              <a:t>02/04/2022</a:t>
             </a:fld>
             <a:endParaRPr lang="en-GB"/>
           </a:p>
@@ -670,7 +675,7 @@
           <a:p>
             <a:fld id="{251E5C19-111C-4433-8DA6-315F5DAC5ED1}" type="datetimeFigureOut">
               <a:rPr lang="en-GB" smtClean="0"/>
-              <a:t>28/03/2022</a:t>
+              <a:t>02/04/2022</a:t>
             </a:fld>
             <a:endParaRPr lang="en-GB"/>
           </a:p>
@@ -870,7 +875,7 @@
           <a:p>
             <a:fld id="{251E5C19-111C-4433-8DA6-315F5DAC5ED1}" type="datetimeFigureOut">
               <a:rPr lang="en-GB" smtClean="0"/>
-              <a:t>28/03/2022</a:t>
+              <a:t>02/04/2022</a:t>
             </a:fld>
             <a:endParaRPr lang="en-GB"/>
           </a:p>
@@ -1146,7 +1151,7 @@
           <a:p>
             <a:fld id="{251E5C19-111C-4433-8DA6-315F5DAC5ED1}" type="datetimeFigureOut">
               <a:rPr lang="en-GB" smtClean="0"/>
-              <a:t>28/03/2022</a:t>
+              <a:t>02/04/2022</a:t>
             </a:fld>
             <a:endParaRPr lang="en-GB"/>
           </a:p>
@@ -1414,7 +1419,7 @@
           <a:p>
             <a:fld id="{251E5C19-111C-4433-8DA6-315F5DAC5ED1}" type="datetimeFigureOut">
               <a:rPr lang="en-GB" smtClean="0"/>
-              <a:t>28/03/2022</a:t>
+              <a:t>02/04/2022</a:t>
             </a:fld>
             <a:endParaRPr lang="en-GB"/>
           </a:p>
@@ -1829,7 +1834,7 @@
           <a:p>
             <a:fld id="{251E5C19-111C-4433-8DA6-315F5DAC5ED1}" type="datetimeFigureOut">
               <a:rPr lang="en-GB" smtClean="0"/>
-              <a:t>28/03/2022</a:t>
+              <a:t>02/04/2022</a:t>
             </a:fld>
             <a:endParaRPr lang="en-GB"/>
           </a:p>
@@ -1971,7 +1976,7 @@
           <a:p>
             <a:fld id="{251E5C19-111C-4433-8DA6-315F5DAC5ED1}" type="datetimeFigureOut">
               <a:rPr lang="en-GB" smtClean="0"/>
-              <a:t>28/03/2022</a:t>
+              <a:t>02/04/2022</a:t>
             </a:fld>
             <a:endParaRPr lang="en-GB"/>
           </a:p>
@@ -2084,7 +2089,7 @@
           <a:p>
             <a:fld id="{251E5C19-111C-4433-8DA6-315F5DAC5ED1}" type="datetimeFigureOut">
               <a:rPr lang="en-GB" smtClean="0"/>
-              <a:t>28/03/2022</a:t>
+              <a:t>02/04/2022</a:t>
             </a:fld>
             <a:endParaRPr lang="en-GB"/>
           </a:p>
@@ -2397,7 +2402,7 @@
           <a:p>
             <a:fld id="{251E5C19-111C-4433-8DA6-315F5DAC5ED1}" type="datetimeFigureOut">
               <a:rPr lang="en-GB" smtClean="0"/>
-              <a:t>28/03/2022</a:t>
+              <a:t>02/04/2022</a:t>
             </a:fld>
             <a:endParaRPr lang="en-GB"/>
           </a:p>
@@ -2686,7 +2691,7 @@
           <a:p>
             <a:fld id="{251E5C19-111C-4433-8DA6-315F5DAC5ED1}" type="datetimeFigureOut">
               <a:rPr lang="en-GB" smtClean="0"/>
-              <a:t>28/03/2022</a:t>
+              <a:t>02/04/2022</a:t>
             </a:fld>
             <a:endParaRPr lang="en-GB"/>
           </a:p>
@@ -2929,7 +2934,7 @@
           <a:p>
             <a:fld id="{251E5C19-111C-4433-8DA6-315F5DAC5ED1}" type="datetimeFigureOut">
               <a:rPr lang="en-GB" smtClean="0"/>
-              <a:t>28/03/2022</a:t>
+              <a:t>02/04/2022</a:t>
             </a:fld>
             <a:endParaRPr lang="en-GB"/>
           </a:p>
@@ -4139,10 +4144,10 @@
       </p:sp>
       <p:pic>
         <p:nvPicPr>
-          <p:cNvPr id="4" name="Picture 3">
-            <a:extLst>
-              <a:ext uri="{FF2B5EF4-FFF2-40B4-BE49-F238E27FC236}">
-                <a16:creationId xmlns:a16="http://schemas.microsoft.com/office/drawing/2014/main" id="{32EB728F-3578-493F-BFA1-9735D4C65410}"/>
+          <p:cNvPr id="6" name="Picture 5">
+            <a:extLst>
+              <a:ext uri="{FF2B5EF4-FFF2-40B4-BE49-F238E27FC236}">
+                <a16:creationId xmlns:a16="http://schemas.microsoft.com/office/drawing/2014/main" id="{CB13ECE6-1B90-486A-9057-EDE5D995F0CA}"/>
               </a:ext>
             </a:extLst>
           </p:cNvPr>
@@ -4153,78 +4158,6 @@
         </p:nvPicPr>
         <p:blipFill>
           <a:blip r:embed="rId2">
-            <a:extLst>
-              <a:ext uri="{28A0092B-C50C-407E-A947-70E740481C1C}">
-                <a14:useLocalDpi xmlns:a14="http://schemas.microsoft.com/office/drawing/2010/main" val="0"/>
-              </a:ext>
-            </a:extLst>
-          </a:blip>
-          <a:stretch>
-            <a:fillRect/>
-          </a:stretch>
-        </p:blipFill>
-        <p:spPr>
-          <a:xfrm>
-            <a:off x="1042913" y="3036733"/>
-            <a:ext cx="2262349" cy="3275167"/>
-          </a:xfrm>
-          <a:prstGeom prst="rect">
-            <a:avLst/>
-          </a:prstGeom>
-        </p:spPr>
-      </p:pic>
-      <p:pic>
-        <p:nvPicPr>
-          <p:cNvPr id="5" name="Picture 4">
-            <a:extLst>
-              <a:ext uri="{FF2B5EF4-FFF2-40B4-BE49-F238E27FC236}">
-                <a16:creationId xmlns:a16="http://schemas.microsoft.com/office/drawing/2014/main" id="{C741740E-5E97-47AA-8778-7C3E7ED3B0B5}"/>
-              </a:ext>
-            </a:extLst>
-          </p:cNvPr>
-          <p:cNvPicPr>
-            <a:picLocks noChangeAspect="1"/>
-          </p:cNvPicPr>
-          <p:nvPr/>
-        </p:nvPicPr>
-        <p:blipFill>
-          <a:blip r:embed="rId3">
-            <a:extLst>
-              <a:ext uri="{28A0092B-C50C-407E-A947-70E740481C1C}">
-                <a14:useLocalDpi xmlns:a14="http://schemas.microsoft.com/office/drawing/2010/main" val="0"/>
-              </a:ext>
-            </a:extLst>
-          </a:blip>
-          <a:stretch>
-            <a:fillRect/>
-          </a:stretch>
-        </p:blipFill>
-        <p:spPr>
-          <a:xfrm>
-            <a:off x="3756679" y="3015264"/>
-            <a:ext cx="2339321" cy="3477611"/>
-          </a:xfrm>
-          <a:prstGeom prst="rect">
-            <a:avLst/>
-          </a:prstGeom>
-        </p:spPr>
-      </p:pic>
-      <p:pic>
-        <p:nvPicPr>
-          <p:cNvPr id="6" name="Picture 5">
-            <a:extLst>
-              <a:ext uri="{FF2B5EF4-FFF2-40B4-BE49-F238E27FC236}">
-                <a16:creationId xmlns:a16="http://schemas.microsoft.com/office/drawing/2014/main" id="{CB13ECE6-1B90-486A-9057-EDE5D995F0CA}"/>
-              </a:ext>
-            </a:extLst>
-          </p:cNvPr>
-          <p:cNvPicPr>
-            <a:picLocks noChangeAspect="1"/>
-          </p:cNvPicPr>
-          <p:nvPr/>
-        </p:nvPicPr>
-        <p:blipFill>
-          <a:blip r:embed="rId4">
             <a:extLst>
               <a:ext uri="{28A0092B-C50C-407E-A947-70E740481C1C}">
                 <a14:useLocalDpi xmlns:a14="http://schemas.microsoft.com/office/drawing/2010/main" val="0"/>
@@ -4245,112 +4178,205 @@
           </a:prstGeom>
         </p:spPr>
       </p:pic>
-      <p:sp>
-        <p:nvSpPr>
-          <p:cNvPr id="7" name="Rectangle 6">
-            <a:extLst>
-              <a:ext uri="{FF2B5EF4-FFF2-40B4-BE49-F238E27FC236}">
-                <a16:creationId xmlns:a16="http://schemas.microsoft.com/office/drawing/2014/main" id="{4B21D734-C5DE-4CBC-8A97-2C8AC85EEE78}"/>
-              </a:ext>
-            </a:extLst>
-          </p:cNvPr>
-          <p:cNvSpPr/>
+      <p:grpSp>
+        <p:nvGrpSpPr>
+          <p:cNvPr id="9" name="Group 8">
+            <a:extLst>
+              <a:ext uri="{FF2B5EF4-FFF2-40B4-BE49-F238E27FC236}">
+                <a16:creationId xmlns:a16="http://schemas.microsoft.com/office/drawing/2014/main" id="{9E371CCB-D47D-4CC5-A69A-C4EAE1397FFF}"/>
+              </a:ext>
+            </a:extLst>
+          </p:cNvPr>
+          <p:cNvGrpSpPr/>
           <p:nvPr/>
-        </p:nvSpPr>
-        <p:spPr>
+        </p:nvGrpSpPr>
+        <p:grpSpPr>
           <a:xfrm>
-            <a:off x="2348219" y="4446568"/>
-            <a:ext cx="495649" cy="455495"/>
+            <a:off x="992579" y="3015264"/>
+            <a:ext cx="4539499" cy="3477611"/>
+            <a:chOff x="992579" y="3015264"/>
+            <a:chExt cx="4539499" cy="3477611"/>
           </a:xfrm>
-          <a:prstGeom prst="rect">
-            <a:avLst/>
-          </a:prstGeom>
-          <a:noFill/>
-          <a:ln>
-            <a:solidFill>
-              <a:srgbClr val="FF0000"/>
-            </a:solidFill>
-            <a:prstDash val="lgDash"/>
-          </a:ln>
-        </p:spPr>
-        <p:style>
-          <a:lnRef idx="2">
-            <a:schemeClr val="accent1">
-              <a:shade val="50000"/>
-            </a:schemeClr>
-          </a:lnRef>
-          <a:fillRef idx="1">
-            <a:schemeClr val="accent1"/>
-          </a:fillRef>
-          <a:effectRef idx="0">
-            <a:schemeClr val="accent1"/>
-          </a:effectRef>
-          <a:fontRef idx="minor">
-            <a:schemeClr val="lt1"/>
-          </a:fontRef>
-        </p:style>
-        <p:txBody>
-          <a:bodyPr rtlCol="0" anchor="ctr"/>
-          <a:lstStyle/>
-          <a:p>
-            <a:pPr algn="ctr"/>
-            <a:endParaRPr lang="en-GB"/>
-          </a:p>
-        </p:txBody>
-      </p:sp>
-      <p:sp>
-        <p:nvSpPr>
-          <p:cNvPr id="8" name="Rectangle 7">
-            <a:extLst>
-              <a:ext uri="{FF2B5EF4-FFF2-40B4-BE49-F238E27FC236}">
-                <a16:creationId xmlns:a16="http://schemas.microsoft.com/office/drawing/2014/main" id="{2F157F81-888F-4BCA-994B-7C615286825A}"/>
-              </a:ext>
-            </a:extLst>
-          </p:cNvPr>
-          <p:cNvSpPr/>
-          <p:nvPr/>
-        </p:nvSpPr>
-        <p:spPr>
-          <a:xfrm>
-            <a:off x="5225484" y="4446568"/>
-            <a:ext cx="495649" cy="455495"/>
-          </a:xfrm>
-          <a:prstGeom prst="rect">
-            <a:avLst/>
-          </a:prstGeom>
-          <a:noFill/>
-          <a:ln>
-            <a:solidFill>
-              <a:srgbClr val="FF0000"/>
-            </a:solidFill>
-            <a:prstDash val="lgDash"/>
-          </a:ln>
-        </p:spPr>
-        <p:style>
-          <a:lnRef idx="2">
-            <a:schemeClr val="accent1">
-              <a:shade val="50000"/>
-            </a:schemeClr>
-          </a:lnRef>
-          <a:fillRef idx="1">
-            <a:schemeClr val="accent1"/>
-          </a:fillRef>
-          <a:effectRef idx="0">
-            <a:schemeClr val="accent1"/>
-          </a:effectRef>
-          <a:fontRef idx="minor">
-            <a:schemeClr val="lt1"/>
-          </a:fontRef>
-        </p:style>
-        <p:txBody>
-          <a:bodyPr rtlCol="0" anchor="ctr"/>
-          <a:lstStyle/>
-          <a:p>
-            <a:pPr algn="ctr"/>
-            <a:endParaRPr lang="en-GB"/>
-          </a:p>
-        </p:txBody>
-      </p:sp>
+        </p:grpSpPr>
+        <p:pic>
+          <p:nvPicPr>
+            <p:cNvPr id="4" name="Picture 3">
+              <a:extLst>
+                <a:ext uri="{FF2B5EF4-FFF2-40B4-BE49-F238E27FC236}">
+                  <a16:creationId xmlns:a16="http://schemas.microsoft.com/office/drawing/2014/main" id="{32EB728F-3578-493F-BFA1-9735D4C65410}"/>
+                </a:ext>
+              </a:extLst>
+            </p:cNvPr>
+            <p:cNvPicPr>
+              <a:picLocks noChangeAspect="1"/>
+            </p:cNvPicPr>
+            <p:nvPr/>
+          </p:nvPicPr>
+          <p:blipFill>
+            <a:blip r:embed="rId3">
+              <a:extLst>
+                <a:ext uri="{28A0092B-C50C-407E-A947-70E740481C1C}">
+                  <a14:useLocalDpi xmlns:a14="http://schemas.microsoft.com/office/drawing/2010/main" val="0"/>
+                </a:ext>
+              </a:extLst>
+            </a:blip>
+            <a:stretch>
+              <a:fillRect/>
+            </a:stretch>
+          </p:blipFill>
+          <p:spPr>
+            <a:xfrm>
+              <a:off x="992579" y="3036733"/>
+              <a:ext cx="2262349" cy="3275167"/>
+            </a:xfrm>
+            <a:prstGeom prst="rect">
+              <a:avLst/>
+            </a:prstGeom>
+          </p:spPr>
+        </p:pic>
+        <p:pic>
+          <p:nvPicPr>
+            <p:cNvPr id="5" name="Picture 4">
+              <a:extLst>
+                <a:ext uri="{FF2B5EF4-FFF2-40B4-BE49-F238E27FC236}">
+                  <a16:creationId xmlns:a16="http://schemas.microsoft.com/office/drawing/2014/main" id="{C741740E-5E97-47AA-8778-7C3E7ED3B0B5}"/>
+                </a:ext>
+              </a:extLst>
+            </p:cNvPr>
+            <p:cNvPicPr>
+              <a:picLocks noChangeAspect="1"/>
+            </p:cNvPicPr>
+            <p:nvPr/>
+          </p:nvPicPr>
+          <p:blipFill>
+            <a:blip r:embed="rId4">
+              <a:extLst>
+                <a:ext uri="{28A0092B-C50C-407E-A947-70E740481C1C}">
+                  <a14:useLocalDpi xmlns:a14="http://schemas.microsoft.com/office/drawing/2010/main" val="0"/>
+                </a:ext>
+              </a:extLst>
+            </a:blip>
+            <a:stretch>
+              <a:fillRect/>
+            </a:stretch>
+          </p:blipFill>
+          <p:spPr>
+            <a:xfrm>
+              <a:off x="3192757" y="3015264"/>
+              <a:ext cx="2339321" cy="3477611"/>
+            </a:xfrm>
+            <a:prstGeom prst="rect">
+              <a:avLst/>
+            </a:prstGeom>
+          </p:spPr>
+        </p:pic>
+        <p:sp>
+          <p:nvSpPr>
+            <p:cNvPr id="7" name="Rectangle 6">
+              <a:extLst>
+                <a:ext uri="{FF2B5EF4-FFF2-40B4-BE49-F238E27FC236}">
+                  <a16:creationId xmlns:a16="http://schemas.microsoft.com/office/drawing/2014/main" id="{4B21D734-C5DE-4CBC-8A97-2C8AC85EEE78}"/>
+                </a:ext>
+              </a:extLst>
+            </p:cNvPr>
+            <p:cNvSpPr/>
+            <p:nvPr/>
+          </p:nvSpPr>
+          <p:spPr>
+            <a:xfrm>
+              <a:off x="2297885" y="4446568"/>
+              <a:ext cx="495649" cy="455495"/>
+            </a:xfrm>
+            <a:prstGeom prst="rect">
+              <a:avLst/>
+            </a:prstGeom>
+            <a:noFill/>
+            <a:ln>
+              <a:solidFill>
+                <a:srgbClr val="FF0000"/>
+              </a:solidFill>
+              <a:prstDash val="lgDash"/>
+            </a:ln>
+          </p:spPr>
+          <p:style>
+            <a:lnRef idx="2">
+              <a:schemeClr val="accent1">
+                <a:shade val="50000"/>
+              </a:schemeClr>
+            </a:lnRef>
+            <a:fillRef idx="1">
+              <a:schemeClr val="accent1"/>
+            </a:fillRef>
+            <a:effectRef idx="0">
+              <a:schemeClr val="accent1"/>
+            </a:effectRef>
+            <a:fontRef idx="minor">
+              <a:schemeClr val="lt1"/>
+            </a:fontRef>
+          </p:style>
+          <p:txBody>
+            <a:bodyPr rtlCol="0" anchor="ctr"/>
+            <a:lstStyle/>
+            <a:p>
+              <a:pPr algn="ctr"/>
+              <a:endParaRPr lang="en-GB"/>
+            </a:p>
+          </p:txBody>
+        </p:sp>
+        <p:sp>
+          <p:nvSpPr>
+            <p:cNvPr id="8" name="Rectangle 7">
+              <a:extLst>
+                <a:ext uri="{FF2B5EF4-FFF2-40B4-BE49-F238E27FC236}">
+                  <a16:creationId xmlns:a16="http://schemas.microsoft.com/office/drawing/2014/main" id="{2F157F81-888F-4BCA-994B-7C615286825A}"/>
+                </a:ext>
+              </a:extLst>
+            </p:cNvPr>
+            <p:cNvSpPr/>
+            <p:nvPr/>
+          </p:nvSpPr>
+          <p:spPr>
+            <a:xfrm>
+              <a:off x="4661562" y="4446568"/>
+              <a:ext cx="495649" cy="455495"/>
+            </a:xfrm>
+            <a:prstGeom prst="rect">
+              <a:avLst/>
+            </a:prstGeom>
+            <a:noFill/>
+            <a:ln>
+              <a:solidFill>
+                <a:srgbClr val="FF0000"/>
+              </a:solidFill>
+              <a:prstDash val="lgDash"/>
+            </a:ln>
+          </p:spPr>
+          <p:style>
+            <a:lnRef idx="2">
+              <a:schemeClr val="accent1">
+                <a:shade val="50000"/>
+              </a:schemeClr>
+            </a:lnRef>
+            <a:fillRef idx="1">
+              <a:schemeClr val="accent1"/>
+            </a:fillRef>
+            <a:effectRef idx="0">
+              <a:schemeClr val="accent1"/>
+            </a:effectRef>
+            <a:fontRef idx="minor">
+              <a:schemeClr val="lt1"/>
+            </a:fontRef>
+          </p:style>
+          <p:txBody>
+            <a:bodyPr rtlCol="0" anchor="ctr"/>
+            <a:lstStyle/>
+            <a:p>
+              <a:pPr algn="ctr"/>
+              <a:endParaRPr lang="en-GB"/>
+            </a:p>
+          </p:txBody>
+        </p:sp>
+      </p:grpSp>
       <p:cxnSp>
         <p:nvCxnSpPr>
           <p:cNvPr id="10" name="Straight Arrow Connector 9">
